--- a/docs/Poster.pptx
+++ b/docs/Poster.pptx
@@ -140,7 +140,7 @@
   </p:defaultTextStyle>
   <p:extLst>
     <p:ext uri="{EFAFB233-063F-42B5-8137-9DF3F51BA10A}">
-      <p15:sldGuideLst xmlns:p15="http://schemas.microsoft.com/office/powerpoint/2012/main" xmlns="">
+      <p15:sldGuideLst xmlns="" xmlns:p15="http://schemas.microsoft.com/office/powerpoint/2012/main">
         <p15:guide id="1" orient="horz" pos="3947">
           <p15:clr>
             <a:srgbClr val="A4A3A4"/>
@@ -4618,15 +4618,7 @@
                 <a:ea typeface="맑은 고딕" panose="020B0503020000020004" pitchFamily="50" charset="-127"/>
                 <a:cs typeface="Times New Roman" pitchFamily="18" charset="0"/>
               </a:rPr>
-              <a:t> </a:t>
-            </a:r>
-            <a:r>
-              <a:rPr lang="ko-KR" altLang="en-US" sz="3200" smtClean="0">
-                <a:latin typeface="맑은 고딕" panose="020B0503020000020004" pitchFamily="50" charset="-127"/>
-                <a:ea typeface="맑은 고딕" panose="020B0503020000020004" pitchFamily="50" charset="-127"/>
-                <a:cs typeface="Times New Roman" pitchFamily="18" charset="0"/>
-              </a:rPr>
-              <a:t>주최자가 </a:t>
+              <a:t> 주최자가 </a:t>
             </a:r>
             <a:r>
               <a:rPr lang="ko-KR" altLang="en-US" sz="3200" dirty="0" smtClean="0">
@@ -4764,15 +4756,7 @@
                 <a:ea typeface="맑은 고딕" panose="020B0503020000020004" pitchFamily="50" charset="-127"/>
                 <a:cs typeface="Times New Roman" pitchFamily="18" charset="0"/>
               </a:rPr>
-              <a:t>시 </a:t>
-            </a:r>
-            <a:r>
-              <a:rPr lang="ko-KR" altLang="en-US" sz="3200">
-                <a:latin typeface="맑은 고딕" panose="020B0503020000020004" pitchFamily="50" charset="-127"/>
-                <a:ea typeface="맑은 고딕" panose="020B0503020000020004" pitchFamily="50" charset="-127"/>
-                <a:cs typeface="Times New Roman" pitchFamily="18" charset="0"/>
-              </a:rPr>
-              <a:t>일</a:t>
+              <a:t>시 일</a:t>
             </a:r>
             <a:r>
               <a:rPr lang="ko-KR" altLang="en-US" sz="3200" smtClean="0">
@@ -4988,15 +4972,7 @@
                 <a:ea typeface="맑은 고딕" panose="020B0503020000020004" pitchFamily="50" charset="-127"/>
                 <a:cs typeface="Times New Roman" pitchFamily="18" charset="0"/>
               </a:rPr>
-              <a:t>향상시킬 </a:t>
-            </a:r>
-            <a:r>
-              <a:rPr lang="ko-KR" altLang="en-US" sz="3200" smtClean="0">
-                <a:latin typeface="맑은 고딕" panose="020B0503020000020004" pitchFamily="50" charset="-127"/>
-                <a:ea typeface="맑은 고딕" panose="020B0503020000020004" pitchFamily="50" charset="-127"/>
-                <a:cs typeface="Times New Roman" pitchFamily="18" charset="0"/>
-              </a:rPr>
-              <a:t>수 있을 것이다</a:t>
+              <a:t>향상시킬 수 있을 것이다</a:t>
             </a:r>
             <a:r>
               <a:rPr lang="en-US" altLang="ko-KR" sz="3200" smtClean="0">
@@ -5124,17 +5100,7 @@
                 <a:latin typeface="맑은 고딕" pitchFamily="50" charset="-127"/>
                 <a:ea typeface="맑은 고딕" pitchFamily="50" charset="-127"/>
               </a:rPr>
-              <a:t>End </a:t>
-            </a:r>
-            <a:r>
-              <a:rPr lang="en-US" altLang="ko-KR" sz="7000" b="1">
-                <a:solidFill>
-                  <a:srgbClr val="11263F"/>
-                </a:solidFill>
-                <a:latin typeface="맑은 고딕" pitchFamily="50" charset="-127"/>
-                <a:ea typeface="맑은 고딕" pitchFamily="50" charset="-127"/>
-              </a:rPr>
-              <a:t>&amp;</a:t>
+              <a:t>End &amp;</a:t>
             </a:r>
             <a:r>
               <a:rPr lang="en-US" altLang="ko-KR" sz="7000" b="1" smtClean="0">
@@ -5565,7 +5531,7 @@
           <p:cNvPr id="13" name="Rectangle 6">
             <a:extLst>
               <a:ext uri="{FF2B5EF4-FFF2-40B4-BE49-F238E27FC236}">
-                <a16:creationId xmlns:a16="http://schemas.microsoft.com/office/drawing/2014/main" xmlns="" id="{434E43CA-E0BD-47FB-A1BA-86B7E7904D37}"/>
+                <a16:creationId xmlns="" xmlns:a16="http://schemas.microsoft.com/office/drawing/2014/main" id="{434E43CA-E0BD-47FB-A1BA-86B7E7904D37}"/>
               </a:ext>
             </a:extLst>
           </p:cNvPr>
@@ -5634,7 +5600,7 @@
           <p:cNvPr id="61" name="모서리가 둥근 직사각형 52">
             <a:extLst>
               <a:ext uri="{FF2B5EF4-FFF2-40B4-BE49-F238E27FC236}">
-                <a16:creationId xmlns:a16="http://schemas.microsoft.com/office/drawing/2014/main" xmlns="" id="{8B51912D-316B-407B-89D8-7E673212FF91}"/>
+                <a16:creationId xmlns="" xmlns:a16="http://schemas.microsoft.com/office/drawing/2014/main" id="{8B51912D-316B-407B-89D8-7E673212FF91}"/>
               </a:ext>
             </a:extLst>
           </p:cNvPr>
@@ -5708,7 +5674,7 @@
           <p:cNvPr id="63" name="TextBox 62">
             <a:extLst>
               <a:ext uri="{FF2B5EF4-FFF2-40B4-BE49-F238E27FC236}">
-                <a16:creationId xmlns:a16="http://schemas.microsoft.com/office/drawing/2014/main" xmlns="" id="{8B03CD21-E218-4C66-97F3-06F6F2EF5DF7}"/>
+                <a16:creationId xmlns="" xmlns:a16="http://schemas.microsoft.com/office/drawing/2014/main" id="{8B03CD21-E218-4C66-97F3-06F6F2EF5DF7}"/>
               </a:ext>
             </a:extLst>
           </p:cNvPr>
@@ -7233,7 +7199,7 @@
           <p:cNvPr id="5" name="Rectangle 2">
             <a:extLst>
               <a:ext uri="{FF2B5EF4-FFF2-40B4-BE49-F238E27FC236}">
-                <a16:creationId xmlns:a16="http://schemas.microsoft.com/office/drawing/2014/main" xmlns="" id="{182190CF-000D-4A14-BBC0-BD518C5BD495}"/>
+                <a16:creationId xmlns="" xmlns:a16="http://schemas.microsoft.com/office/drawing/2014/main" id="{182190CF-000D-4A14-BBC0-BD518C5BD495}"/>
               </a:ext>
             </a:extLst>
           </p:cNvPr>
@@ -7302,7 +7268,7 @@
           <p:cNvPr id="13" name="Rectangle 6">
             <a:extLst>
               <a:ext uri="{FF2B5EF4-FFF2-40B4-BE49-F238E27FC236}">
-                <a16:creationId xmlns:a16="http://schemas.microsoft.com/office/drawing/2014/main" xmlns="" id="{434E43CA-E0BD-47FB-A1BA-86B7E7904D37}"/>
+                <a16:creationId xmlns="" xmlns:a16="http://schemas.microsoft.com/office/drawing/2014/main" id="{434E43CA-E0BD-47FB-A1BA-86B7E7904D37}"/>
               </a:ext>
             </a:extLst>
           </p:cNvPr>
@@ -7371,7 +7337,7 @@
           <p:cNvPr id="14" name="Rectangle 8">
             <a:extLst>
               <a:ext uri="{FF2B5EF4-FFF2-40B4-BE49-F238E27FC236}">
-                <a16:creationId xmlns:a16="http://schemas.microsoft.com/office/drawing/2014/main" xmlns="" id="{FF07B2EC-0A51-48D5-9980-A60683DAC1B8}"/>
+                <a16:creationId xmlns="" xmlns:a16="http://schemas.microsoft.com/office/drawing/2014/main" id="{FF07B2EC-0A51-48D5-9980-A60683DAC1B8}"/>
               </a:ext>
             </a:extLst>
           </p:cNvPr>
@@ -8062,14 +8028,7 @@
                 <a:latin typeface="맑은 고딕" panose="020B0503020000020004" pitchFamily="50" charset="-127"/>
                 <a:ea typeface="맑은 고딕" panose="020B0503020000020004" pitchFamily="50" charset="-127"/>
               </a:rPr>
-              <a:t>회원가입 및 인증 </a:t>
-            </a:r>
-            <a:r>
-              <a:rPr lang="ko-KR" altLang="en-US" sz="3200" b="1" smtClean="0">
-                <a:latin typeface="맑은 고딕" panose="020B0503020000020004" pitchFamily="50" charset="-127"/>
-                <a:ea typeface="맑은 고딕" panose="020B0503020000020004" pitchFamily="50" charset="-127"/>
-              </a:rPr>
-              <a:t>페이지</a:t>
+              <a:t>회원가입 및 인증 페이지</a:t>
             </a:r>
             <a:endParaRPr lang="ko-KR" altLang="en-US" sz="3200" b="1" dirty="0">
               <a:latin typeface="맑은 고딕" panose="020B0503020000020004" pitchFamily="50" charset="-127"/>
@@ -8289,14 +8248,7 @@
                 <a:latin typeface="맑은 고딕" panose="020B0503020000020004" pitchFamily="50" charset="-127"/>
                 <a:ea typeface="맑은 고딕" panose="020B0503020000020004" pitchFamily="50" charset="-127"/>
               </a:rPr>
-              <a:t>5</a:t>
-            </a:r>
-            <a:r>
-              <a:rPr lang="en-US" altLang="ko-KR" sz="3200" b="1" smtClean="0">
-                <a:latin typeface="맑은 고딕" panose="020B0503020000020004" pitchFamily="50" charset="-127"/>
-                <a:ea typeface="맑은 고딕" panose="020B0503020000020004" pitchFamily="50" charset="-127"/>
-              </a:rPr>
-              <a:t>] </a:t>
+              <a:t>5] </a:t>
             </a:r>
             <a:r>
               <a:rPr lang="ko-KR" altLang="en-US" sz="3200" b="1" smtClean="0">
@@ -8609,15 +8561,7 @@
                   <a:ea typeface="맑은 고딕" panose="020B0503020000020004" pitchFamily="50" charset="-127"/>
                   <a:cs typeface="Times New Roman" pitchFamily="18" charset="0"/>
                 </a:rPr>
-                <a:t>알림 문</a:t>
-              </a:r>
-              <a:r>
-                <a:rPr lang="ko-KR" altLang="en-US" sz="3200" smtClean="0">
-                  <a:latin typeface="맑은 고딕" panose="020B0503020000020004" pitchFamily="50" charset="-127"/>
-                  <a:ea typeface="맑은 고딕" panose="020B0503020000020004" pitchFamily="50" charset="-127"/>
-                  <a:cs typeface="Times New Roman" pitchFamily="18" charset="0"/>
-                </a:rPr>
-                <a:t>자</a:t>
+                <a:t>알림 문자</a:t>
               </a:r>
               <a:endParaRPr lang="en-US" altLang="ko-KR" sz="3200" dirty="0">
                 <a:latin typeface="맑은 고딕" panose="020B0503020000020004" pitchFamily="50" charset="-127"/>
@@ -8812,7 +8756,7 @@
             <p:cNvPr id="54" name="그림 53">
               <a:extLst>
                 <a:ext uri="{FF2B5EF4-FFF2-40B4-BE49-F238E27FC236}">
-                  <a16:creationId xmlns:a16="http://schemas.microsoft.com/office/drawing/2014/main" xmlns="" id="{C16807D8-48F9-4719-BCF3-1DCAB86BF9CF}"/>
+                  <a16:creationId xmlns="" xmlns:a16="http://schemas.microsoft.com/office/drawing/2014/main" id="{C16807D8-48F9-4719-BCF3-1DCAB86BF9CF}"/>
                 </a:ext>
               </a:extLst>
             </p:cNvPr>
@@ -8891,7 +8835,7 @@
           <p:cNvPr id="57" name="직사각형 56">
             <a:extLst>
               <a:ext uri="{FF2B5EF4-FFF2-40B4-BE49-F238E27FC236}">
-                <a16:creationId xmlns:a16="http://schemas.microsoft.com/office/drawing/2014/main" xmlns="" id="{5E18E627-D7BE-4AEC-8BDC-382C82133921}"/>
+                <a16:creationId xmlns="" xmlns:a16="http://schemas.microsoft.com/office/drawing/2014/main" id="{5E18E627-D7BE-4AEC-8BDC-382C82133921}"/>
               </a:ext>
             </a:extLst>
           </p:cNvPr>
@@ -8932,14 +8876,7 @@
                 <a:latin typeface="Times New Roman" panose="02020603050405020304" pitchFamily="18" charset="0"/>
                 <a:ea typeface="+mn-ea"/>
               </a:rPr>
-              <a:t>SHOPPING (</a:t>
-            </a:r>
-            <a:r>
-              <a:rPr lang="en-US" altLang="ko-KR" sz="3600" b="1" smtClean="0">
-                <a:latin typeface="Times New Roman" panose="02020603050405020304" pitchFamily="18" charset="0"/>
-                <a:ea typeface="+mn-ea"/>
-              </a:rPr>
-              <a:t>REST </a:t>
+              <a:t>SHOPPING (REST </a:t>
             </a:r>
             <a:r>
               <a:rPr lang="en-US" altLang="ko-KR" sz="3600" b="1" dirty="0">
@@ -9130,7 +9067,7 @@
           <p:cNvPr id="59" name="직사각형 58">
             <a:extLst>
               <a:ext uri="{FF2B5EF4-FFF2-40B4-BE49-F238E27FC236}">
-                <a16:creationId xmlns:a16="http://schemas.microsoft.com/office/drawing/2014/main" xmlns="" id="{5E18E627-D7BE-4AEC-8BDC-382C82133921}"/>
+                <a16:creationId xmlns="" xmlns:a16="http://schemas.microsoft.com/office/drawing/2014/main" id="{5E18E627-D7BE-4AEC-8BDC-382C82133921}"/>
               </a:ext>
             </a:extLst>
           </p:cNvPr>
